--- a/docs/developer/OBI Developer Call Presentations/3-4-13_OBI_GeneticMateiral.pptx
+++ b/docs/developer/OBI Developer Call Presentations/3-4-13_OBI_GeneticMateiral.pptx
@@ -201,7 +201,7 @@
           <a:p>
             <a:fld id="{93060B40-7ED8-456E-9E7C-5AEEC01D58D1}" type="datetimeFigureOut">
               <a:rPr lang="en-US" smtClean="0"/>
-              <a:t>3/4/2013</a:t>
+              <a:t>3/5/2013</a:t>
             </a:fld>
             <a:endParaRPr lang="en-US"/>
           </a:p>
@@ -1604,7 +1604,7 @@
           <a:p>
             <a:fld id="{48D83DBE-AAD9-45DB-B6FD-79D9D77E310C}" type="datetimeFigureOut">
               <a:rPr lang="en-US" smtClean="0"/>
-              <a:t>3/4/2013</a:t>
+              <a:t>3/5/2013</a:t>
             </a:fld>
             <a:endParaRPr lang="en-US"/>
           </a:p>
@@ -1774,7 +1774,7 @@
           <a:p>
             <a:fld id="{48D83DBE-AAD9-45DB-B6FD-79D9D77E310C}" type="datetimeFigureOut">
               <a:rPr lang="en-US" smtClean="0"/>
-              <a:t>3/4/2013</a:t>
+              <a:t>3/5/2013</a:t>
             </a:fld>
             <a:endParaRPr lang="en-US"/>
           </a:p>
@@ -1954,7 +1954,7 @@
           <a:p>
             <a:fld id="{48D83DBE-AAD9-45DB-B6FD-79D9D77E310C}" type="datetimeFigureOut">
               <a:rPr lang="en-US" smtClean="0"/>
-              <a:t>3/4/2013</a:t>
+              <a:t>3/5/2013</a:t>
             </a:fld>
             <a:endParaRPr lang="en-US"/>
           </a:p>
@@ -2124,7 +2124,7 @@
           <a:p>
             <a:fld id="{48D83DBE-AAD9-45DB-B6FD-79D9D77E310C}" type="datetimeFigureOut">
               <a:rPr lang="en-US" smtClean="0"/>
-              <a:t>3/4/2013</a:t>
+              <a:t>3/5/2013</a:t>
             </a:fld>
             <a:endParaRPr lang="en-US"/>
           </a:p>
@@ -2370,7 +2370,7 @@
           <a:p>
             <a:fld id="{48D83DBE-AAD9-45DB-B6FD-79D9D77E310C}" type="datetimeFigureOut">
               <a:rPr lang="en-US" smtClean="0"/>
-              <a:t>3/4/2013</a:t>
+              <a:t>3/5/2013</a:t>
             </a:fld>
             <a:endParaRPr lang="en-US"/>
           </a:p>
@@ -2658,7 +2658,7 @@
           <a:p>
             <a:fld id="{48D83DBE-AAD9-45DB-B6FD-79D9D77E310C}" type="datetimeFigureOut">
               <a:rPr lang="en-US" smtClean="0"/>
-              <a:t>3/4/2013</a:t>
+              <a:t>3/5/2013</a:t>
             </a:fld>
             <a:endParaRPr lang="en-US"/>
           </a:p>
@@ -3080,7 +3080,7 @@
           <a:p>
             <a:fld id="{48D83DBE-AAD9-45DB-B6FD-79D9D77E310C}" type="datetimeFigureOut">
               <a:rPr lang="en-US" smtClean="0"/>
-              <a:t>3/4/2013</a:t>
+              <a:t>3/5/2013</a:t>
             </a:fld>
             <a:endParaRPr lang="en-US"/>
           </a:p>
@@ -3198,7 +3198,7 @@
           <a:p>
             <a:fld id="{48D83DBE-AAD9-45DB-B6FD-79D9D77E310C}" type="datetimeFigureOut">
               <a:rPr lang="en-US" smtClean="0"/>
-              <a:t>3/4/2013</a:t>
+              <a:t>3/5/2013</a:t>
             </a:fld>
             <a:endParaRPr lang="en-US"/>
           </a:p>
@@ -3293,7 +3293,7 @@
           <a:p>
             <a:fld id="{48D83DBE-AAD9-45DB-B6FD-79D9D77E310C}" type="datetimeFigureOut">
               <a:rPr lang="en-US" smtClean="0"/>
-              <a:t>3/4/2013</a:t>
+              <a:t>3/5/2013</a:t>
             </a:fld>
             <a:endParaRPr lang="en-US"/>
           </a:p>
@@ -3570,7 +3570,7 @@
           <a:p>
             <a:fld id="{48D83DBE-AAD9-45DB-B6FD-79D9D77E310C}" type="datetimeFigureOut">
               <a:rPr lang="en-US" smtClean="0"/>
-              <a:t>3/4/2013</a:t>
+              <a:t>3/5/2013</a:t>
             </a:fld>
             <a:endParaRPr lang="en-US"/>
           </a:p>
@@ -3823,7 +3823,7 @@
           <a:p>
             <a:fld id="{48D83DBE-AAD9-45DB-B6FD-79D9D77E310C}" type="datetimeFigureOut">
               <a:rPr lang="en-US" smtClean="0"/>
-              <a:t>3/4/2013</a:t>
+              <a:t>3/5/2013</a:t>
             </a:fld>
             <a:endParaRPr lang="en-US"/>
           </a:p>
@@ -4036,7 +4036,7 @@
           <a:p>
             <a:fld id="{48D83DBE-AAD9-45DB-B6FD-79D9D77E310C}" type="datetimeFigureOut">
               <a:rPr lang="en-US" smtClean="0"/>
-              <a:t>3/4/2013</a:t>
+              <a:t>3/5/2013</a:t>
             </a:fld>
             <a:endParaRPr lang="en-US"/>
           </a:p>
@@ -4487,8 +4487,8 @@
         </p:nvSpPr>
         <p:spPr>
           <a:xfrm>
-            <a:off x="381000" y="613151"/>
-            <a:ext cx="8610600" cy="6001643"/>
+            <a:off x="152400" y="613151"/>
+            <a:ext cx="8763000" cy="5940088"/>
           </a:xfrm>
           <a:prstGeom prst="rect">
             <a:avLst/>
@@ -4502,12 +4502,8 @@
           <a:p>
             <a:pPr fontAlgn="base"/>
             <a:r>
-              <a:rPr lang="en-US" sz="2400" b="1" dirty="0" smtClean="0"/>
-              <a:t>Classify the following: </a:t>
-            </a:r>
-            <a:r>
               <a:rPr lang="en-US" sz="2000" b="1" dirty="0" smtClean="0"/>
-              <a:t>(as ‘genomic material’, ‘genetic material’, or both)</a:t>
+              <a:t>Classify the following: (as ‘genomic material’, ‘genetic material’, neither, or both)</a:t>
             </a:r>
             <a:endParaRPr lang="en-US" sz="2000" dirty="0" smtClean="0"/>
           </a:p>
@@ -5635,11 +5631,7 @@
             </a:r>
             <a:r>
               <a:rPr lang="en-US" sz="2400" dirty="0" smtClean="0"/>
-              <a:t>Defined at level of organism instead of </a:t>
-            </a:r>
-            <a:r>
-              <a:rPr lang="en-US" sz="2400" dirty="0" smtClean="0"/>
-              <a:t>cell/</a:t>
+              <a:t>Defined at level of organism instead of cell/</a:t>
             </a:r>
             <a:r>
               <a:rPr lang="en-US" sz="2400" dirty="0" err="1" smtClean="0"/>
@@ -6546,7 +6538,7 @@
             </a:pPr>
             <a:r>
               <a:rPr lang="en-US" sz="2200" dirty="0" smtClean="0"/>
-              <a:t>‘genomic material’ vs ‘genetic material’?</a:t>
+              <a:t>consider distinguishing ‘genomic material’ from ‘genetic material’?</a:t>
             </a:r>
             <a:endParaRPr lang="en-US" sz="800" b="1" dirty="0"/>
           </a:p>
@@ -6598,7 +6590,7 @@
         <p:spPr>
           <a:xfrm>
             <a:off x="177798" y="762000"/>
-            <a:ext cx="8915400" cy="6124754"/>
+            <a:ext cx="8915400" cy="6432530"/>
           </a:xfrm>
           <a:prstGeom prst="rect">
             <a:avLst/>
@@ -6610,197 +6602,203 @@
           </a:bodyPr>
           <a:lstStyle/>
           <a:p>
-            <a:r>
-              <a:rPr lang="en-US" sz="2800" b="1" dirty="0" smtClean="0"/>
-              <a:t>‘genetic material’ </a:t>
-            </a:r>
-            <a:endParaRPr lang="en-US" sz="2800" b="1" dirty="0"/>
-          </a:p>
-          <a:p>
-            <a:pPr marL="561975" indent="-155575">
-              <a:buFont typeface="Arial" pitchFamily="34" charset="0"/>
-              <a:buChar char="•"/>
-            </a:pPr>
-            <a:r>
-              <a:rPr lang="en-US" sz="2000" u="sng" dirty="0" err="1" smtClean="0"/>
-              <a:t>SubClassOf</a:t>
-            </a:r>
-            <a:r>
-              <a:rPr lang="en-US" sz="2000" dirty="0" smtClean="0"/>
-              <a:t>:</a:t>
-            </a:r>
-            <a:r>
-              <a:rPr lang="en-US" sz="2000" u="sng" dirty="0" smtClean="0"/>
-              <a:t> </a:t>
-            </a:r>
-            <a:r>
-              <a:rPr lang="en-US" sz="2000" dirty="0"/>
-              <a:t>nucleic </a:t>
-            </a:r>
-            <a:r>
-              <a:rPr lang="en-US" sz="2000" dirty="0" smtClean="0"/>
-              <a:t>acid</a:t>
-            </a:r>
-            <a:endParaRPr lang="en-US" sz="1000" dirty="0" smtClean="0">
-              <a:effectLst/>
-            </a:endParaRPr>
-          </a:p>
-          <a:p>
-            <a:pPr marL="561975" indent="-155575">
-              <a:buFont typeface="Arial" pitchFamily="34" charset="0"/>
-              <a:buChar char="•"/>
-            </a:pPr>
-            <a:r>
-              <a:rPr lang="en-US" sz="2000" u="sng" dirty="0"/>
-              <a:t>Definition</a:t>
-            </a:r>
-            <a:r>
-              <a:rPr lang="en-US" sz="2000" dirty="0"/>
-              <a:t>: </a:t>
-            </a:r>
-            <a:r>
-              <a:rPr lang="en-US" sz="2000" dirty="0" smtClean="0"/>
-              <a:t>a </a:t>
-            </a:r>
-            <a:r>
-              <a:rPr lang="en-US" sz="2000" dirty="0"/>
-              <a:t>nucleic acid macromolecule that is part of a cell or </a:t>
-            </a:r>
-            <a:r>
-              <a:rPr lang="en-US" sz="2000" dirty="0" err="1"/>
-              <a:t>virion</a:t>
-            </a:r>
-            <a:r>
-              <a:rPr lang="en-US" sz="2000" dirty="0"/>
-              <a:t> </a:t>
-            </a:r>
-            <a:r>
-              <a:rPr lang="en-US" sz="2000" dirty="0" smtClean="0"/>
-              <a:t>and has the disposition to affect gene expression in its hos</a:t>
-            </a:r>
-            <a:endParaRPr lang="en-US" sz="1000" dirty="0" smtClean="0">
-              <a:effectLst/>
-            </a:endParaRPr>
-          </a:p>
-          <a:p>
-            <a:pPr marL="561975" indent="-155575">
-              <a:buFont typeface="Arial" pitchFamily="34" charset="0"/>
-              <a:buChar char="•"/>
-            </a:pPr>
-            <a:r>
-              <a:rPr lang="en-US" sz="2000" u="sng" dirty="0" smtClean="0"/>
-              <a:t>Comment</a:t>
-            </a:r>
-            <a:r>
-              <a:rPr lang="en-US" sz="2000" dirty="0"/>
-              <a:t>: </a:t>
-            </a:r>
-            <a:r>
-              <a:rPr lang="en-US" sz="2000" dirty="0" smtClean="0"/>
-              <a:t>This class includes </a:t>
-            </a:r>
-            <a:r>
-              <a:rPr lang="en-US" sz="2000" dirty="0"/>
-              <a:t>any nucleic acid that participates in gene expression </a:t>
-            </a:r>
-            <a:r>
-              <a:rPr lang="en-US" sz="2000" dirty="0" smtClean="0"/>
-              <a:t>processes as a template for expression or a direct effector of expression (e.g. an </a:t>
-            </a:r>
-            <a:r>
-              <a:rPr lang="en-US" sz="2000" dirty="0" err="1" smtClean="0"/>
-              <a:t>siRNA</a:t>
-            </a:r>
-            <a:r>
-              <a:rPr lang="en-US" sz="2000" dirty="0" smtClean="0"/>
-              <a:t>). </a:t>
-            </a:r>
-            <a:r>
-              <a:rPr lang="en-US" sz="2000" dirty="0"/>
-              <a:t>It is not necessarily heritable by progeny or inherited from </a:t>
-            </a:r>
-            <a:r>
-              <a:rPr lang="en-US" sz="2000" dirty="0" smtClean="0"/>
-              <a:t>ancestors, so things like transiently </a:t>
-            </a:r>
-            <a:r>
-              <a:rPr lang="en-US" sz="2000" dirty="0"/>
-              <a:t>transfected </a:t>
-            </a:r>
-            <a:r>
-              <a:rPr lang="en-US" sz="2000" dirty="0" smtClean="0"/>
-              <a:t>plasmids would qualify. </a:t>
-            </a:r>
-          </a:p>
-          <a:p>
-            <a:endParaRPr lang="en-US" sz="1000" b="1" dirty="0" smtClean="0"/>
-          </a:p>
-          <a:p>
-            <a:r>
-              <a:rPr lang="en-US" sz="2800" b="1" dirty="0" smtClean="0"/>
-              <a:t>‘genomic material’</a:t>
-            </a:r>
-            <a:endParaRPr lang="en-US" sz="2800" b="1" dirty="0"/>
-          </a:p>
-          <a:p>
-            <a:pPr marL="561975" indent="-155575">
-              <a:buFont typeface="Arial" pitchFamily="34" charset="0"/>
-              <a:buChar char="•"/>
-            </a:pPr>
-            <a:r>
-              <a:rPr lang="en-US" sz="2000" u="sng" dirty="0" err="1" smtClean="0"/>
-              <a:t>SubClassOf</a:t>
-            </a:r>
-            <a:r>
-              <a:rPr lang="en-US" sz="2000" dirty="0" smtClean="0"/>
-              <a:t>: genetic material</a:t>
-            </a:r>
-            <a:endParaRPr lang="en-US" sz="1000" b="1" u="sng" dirty="0" smtClean="0"/>
-          </a:p>
-          <a:p>
-            <a:pPr marL="561975" indent="-155575">
-              <a:buFont typeface="Arial" pitchFamily="34" charset="0"/>
-              <a:buChar char="•"/>
-            </a:pPr>
-            <a:r>
-              <a:rPr lang="en-US" sz="2000" u="sng" dirty="0" smtClean="0"/>
-              <a:t>Definition</a:t>
-            </a:r>
-            <a:r>
-              <a:rPr lang="en-US" sz="2000" dirty="0" smtClean="0"/>
-              <a:t>: genetic material </a:t>
-            </a:r>
-            <a:r>
-              <a:rPr lang="en-US" sz="2000" dirty="0"/>
-              <a:t>that is inherited from an immediate ancestor, or incorporated in a manner that it has the disposition to be replicated and inherited by </a:t>
-            </a:r>
-            <a:r>
-              <a:rPr lang="en-US" sz="2000" dirty="0" smtClean="0"/>
-              <a:t>descendants</a:t>
-            </a:r>
-          </a:p>
-          <a:p>
-            <a:pPr marL="561975" indent="-155575">
-              <a:buFont typeface="Arial" pitchFamily="34" charset="0"/>
-              <a:buChar char="•"/>
-            </a:pPr>
-            <a:endParaRPr lang="en-US" sz="2000" dirty="0"/>
-          </a:p>
-          <a:p>
-            <a:pPr marL="52388" algn="ctr"/>
-            <a:r>
-              <a:rPr lang="en-US" sz="2200" b="1" dirty="0" smtClean="0">
+            <a:pPr marL="52388" lvl="0" algn="ctr"/>
+            <a:r>
+              <a:rPr lang="en-US" sz="2200" b="1" dirty="0">
                 <a:solidFill>
                   <a:srgbClr val="FF0000"/>
                 </a:solidFill>
               </a:rPr>
               <a:t>These labels may not be ideal and will likely be changed – the key point here is that there is a need to define classes for these two concepts in OBI, as they are referenced in defining several related terms (see slide 3)</a:t>
             </a:r>
-            <a:endParaRPr lang="en-US" sz="2200" b="1" dirty="0">
-              <a:solidFill>
-                <a:srgbClr val="FF0000"/>
-              </a:solidFill>
+          </a:p>
+          <a:p>
+            <a:endParaRPr lang="en-US" sz="1200" b="1" dirty="0" smtClean="0"/>
+          </a:p>
+          <a:p>
+            <a:r>
+              <a:rPr lang="en-US" sz="2800" b="1" dirty="0" smtClean="0"/>
+              <a:t>‘genetic material’ </a:t>
+            </a:r>
+            <a:endParaRPr lang="en-US" sz="2800" b="1" dirty="0"/>
+          </a:p>
+          <a:p>
+            <a:pPr marL="561975" indent="-155575">
+              <a:buFont typeface="Arial" pitchFamily="34" charset="0"/>
+              <a:buChar char="•"/>
+            </a:pPr>
+            <a:r>
+              <a:rPr lang="en-US" sz="2000" u="sng" dirty="0" err="1" smtClean="0"/>
+              <a:t>SubClassOf</a:t>
+            </a:r>
+            <a:r>
+              <a:rPr lang="en-US" sz="2000" dirty="0" smtClean="0"/>
+              <a:t>:</a:t>
+            </a:r>
+            <a:r>
+              <a:rPr lang="en-US" sz="2000" u="sng" dirty="0" smtClean="0"/>
+              <a:t> </a:t>
+            </a:r>
+            <a:r>
+              <a:rPr lang="en-US" sz="2000" dirty="0"/>
+              <a:t>nucleic </a:t>
+            </a:r>
+            <a:r>
+              <a:rPr lang="en-US" sz="2000" dirty="0" smtClean="0"/>
+              <a:t>acid</a:t>
+            </a:r>
+            <a:endParaRPr lang="en-US" sz="1000" dirty="0" smtClean="0">
+              <a:effectLst/>
             </a:endParaRPr>
+          </a:p>
+          <a:p>
+            <a:pPr marL="561975" indent="-155575">
+              <a:buFont typeface="Arial" pitchFamily="34" charset="0"/>
+              <a:buChar char="•"/>
+            </a:pPr>
+            <a:r>
+              <a:rPr lang="en-US" sz="2000" u="sng" dirty="0"/>
+              <a:t>Definition</a:t>
+            </a:r>
+            <a:r>
+              <a:rPr lang="en-US" sz="2000" dirty="0"/>
+              <a:t>: </a:t>
+            </a:r>
+            <a:r>
+              <a:rPr lang="en-US" sz="2000" dirty="0" smtClean="0"/>
+              <a:t>a </a:t>
+            </a:r>
+            <a:r>
+              <a:rPr lang="en-US" sz="2000" dirty="0"/>
+              <a:t>nucleic acid macromolecule that is part of a cell or </a:t>
+            </a:r>
+            <a:r>
+              <a:rPr lang="en-US" sz="2000" dirty="0" err="1"/>
+              <a:t>virion</a:t>
+            </a:r>
+            <a:r>
+              <a:rPr lang="en-US" sz="2000" dirty="0"/>
+              <a:t> </a:t>
+            </a:r>
+            <a:r>
+              <a:rPr lang="en-US" sz="2000" dirty="0" smtClean="0"/>
+              <a:t>and has the disposition to affect gene expression in its host</a:t>
+            </a:r>
+            <a:endParaRPr lang="en-US" sz="1000" dirty="0" smtClean="0">
+              <a:effectLst/>
+            </a:endParaRPr>
+          </a:p>
+          <a:p>
+            <a:pPr marL="561975" indent="-155575">
+              <a:buFont typeface="Arial" pitchFamily="34" charset="0"/>
+              <a:buChar char="•"/>
+            </a:pPr>
+            <a:r>
+              <a:rPr lang="en-US" sz="2000" u="sng" dirty="0" smtClean="0"/>
+              <a:t>Comment</a:t>
+            </a:r>
+            <a:r>
+              <a:rPr lang="en-US" sz="2000" dirty="0"/>
+              <a:t>: </a:t>
+            </a:r>
+            <a:r>
+              <a:rPr lang="en-US" sz="2000" dirty="0" smtClean="0"/>
+              <a:t>This class includes </a:t>
+            </a:r>
+            <a:r>
+              <a:rPr lang="en-US" sz="2000" dirty="0"/>
+              <a:t>any nucleic acid that participates in gene expression </a:t>
+            </a:r>
+            <a:r>
+              <a:rPr lang="en-US" sz="2000" dirty="0" smtClean="0"/>
+              <a:t>processes as a template for expression or a direct effector of expression of some other genetic element (e.g. an </a:t>
+            </a:r>
+            <a:r>
+              <a:rPr lang="en-US" sz="2000" dirty="0" err="1" smtClean="0"/>
+              <a:t>siRNA</a:t>
+            </a:r>
+            <a:r>
+              <a:rPr lang="en-US" sz="2000" dirty="0" smtClean="0"/>
+              <a:t>). </a:t>
+            </a:r>
+            <a:r>
+              <a:rPr lang="en-US" sz="2000" dirty="0"/>
+              <a:t>It is not necessarily heritable by progeny or inherited from </a:t>
+            </a:r>
+            <a:r>
+              <a:rPr lang="en-US" sz="2000" dirty="0" smtClean="0"/>
+              <a:t>ancestors, so things like transiently </a:t>
+            </a:r>
+            <a:r>
+              <a:rPr lang="en-US" sz="2000" dirty="0"/>
+              <a:t>transfected </a:t>
+            </a:r>
+            <a:r>
+              <a:rPr lang="en-US" sz="2000" dirty="0" smtClean="0"/>
+              <a:t>plasmids and </a:t>
+            </a:r>
+            <a:r>
+              <a:rPr lang="en-US" sz="2000" dirty="0" err="1" smtClean="0"/>
+              <a:t>siRNAs</a:t>
+            </a:r>
+            <a:r>
+              <a:rPr lang="en-US" sz="2000" dirty="0" smtClean="0"/>
+              <a:t> would qualify. </a:t>
+            </a:r>
+          </a:p>
+          <a:p>
+            <a:endParaRPr lang="en-US" sz="1000" b="1" dirty="0" smtClean="0"/>
+          </a:p>
+          <a:p>
+            <a:r>
+              <a:rPr lang="en-US" sz="2800" b="1" dirty="0" smtClean="0"/>
+              <a:t>‘genomic material’</a:t>
+            </a:r>
+            <a:endParaRPr lang="en-US" sz="2800" b="1" dirty="0"/>
+          </a:p>
+          <a:p>
+            <a:pPr marL="561975" indent="-155575">
+              <a:buFont typeface="Arial" pitchFamily="34" charset="0"/>
+              <a:buChar char="•"/>
+            </a:pPr>
+            <a:r>
+              <a:rPr lang="en-US" sz="2000" u="sng" dirty="0" err="1" smtClean="0"/>
+              <a:t>SubClassOf</a:t>
+            </a:r>
+            <a:r>
+              <a:rPr lang="en-US" sz="2000" dirty="0" smtClean="0"/>
+              <a:t>: genetic material</a:t>
+            </a:r>
+            <a:endParaRPr lang="en-US" sz="1000" b="1" u="sng" dirty="0" smtClean="0"/>
+          </a:p>
+          <a:p>
+            <a:pPr marL="561975" indent="-155575">
+              <a:buFont typeface="Arial" pitchFamily="34" charset="0"/>
+              <a:buChar char="•"/>
+            </a:pPr>
+            <a:r>
+              <a:rPr lang="en-US" sz="2000" u="sng" dirty="0" smtClean="0"/>
+              <a:t>Definition</a:t>
+            </a:r>
+            <a:r>
+              <a:rPr lang="en-US" sz="2000" dirty="0" smtClean="0"/>
+              <a:t>: genetic material </a:t>
+            </a:r>
+            <a:r>
+              <a:rPr lang="en-US" sz="2000" dirty="0"/>
+              <a:t>that is inherited from an immediate ancestor, or incorporated in a manner that it has the disposition to be replicated and inherited by </a:t>
+            </a:r>
+            <a:r>
+              <a:rPr lang="en-US" sz="2000" dirty="0" smtClean="0"/>
+              <a:t>descendants</a:t>
+            </a:r>
+          </a:p>
+          <a:p>
+            <a:pPr marL="561975" indent="-155575">
+              <a:buFont typeface="Arial" pitchFamily="34" charset="0"/>
+              <a:buChar char="•"/>
+            </a:pPr>
+            <a:endParaRPr lang="en-US" sz="1200" dirty="0"/>
           </a:p>
         </p:txBody>
       </p:sp>
